--- a/Images.pptx
+++ b/Images.pptx
@@ -5185,12 +5185,8 @@
           <a:p>
             <a:pPr algn="ctr"/>
             <a:r>
-              <a:rPr lang="en-US" b="1"/>
-              <a:t>Distributed </a:t>
-            </a:r>
-            <a:r>
               <a:rPr lang="en-US" b="1" dirty="0"/>
-              <a:t>Cache Service</a:t>
+              <a:t>Distributed Cache Service</a:t>
             </a:r>
           </a:p>
         </p:txBody>
